--- a/clases/Cap03_Seleccion_de_Caracteristicas/presentations/PAT03_Clean.pptx
+++ b/clases/Cap03_Seleccion_de_Caracteristicas/presentations/PAT03_Clean.pptx
@@ -210,7 +210,7 @@
           <a:p>
             <a:fld id="{A31E74E5-43EB-8941-84E7-E76CE2DEF1CC}" type="datetimeFigureOut">
               <a:rPr lang="en-US" smtClean="0"/>
-              <a:t>4/21/20</a:t>
+              <a:t>4/19/22</a:t>
             </a:fld>
             <a:endParaRPr lang="en-US"/>
           </a:p>
@@ -744,7 +744,7 @@
           <a:p>
             <a:fld id="{8BD5799D-8AC1-7647-9F4D-35F314575207}" type="datetimeFigureOut">
               <a:rPr lang="en-US" smtClean="0"/>
-              <a:t>4/21/20</a:t>
+              <a:t>4/19/22</a:t>
             </a:fld>
             <a:endParaRPr lang="en-US"/>
           </a:p>
@@ -912,7 +912,7 @@
           <a:p>
             <a:fld id="{8BD5799D-8AC1-7647-9F4D-35F314575207}" type="datetimeFigureOut">
               <a:rPr lang="en-US" smtClean="0"/>
-              <a:t>4/21/20</a:t>
+              <a:t>4/19/22</a:t>
             </a:fld>
             <a:endParaRPr lang="en-US"/>
           </a:p>
@@ -1090,7 +1090,7 @@
           <a:p>
             <a:fld id="{8BD5799D-8AC1-7647-9F4D-35F314575207}" type="datetimeFigureOut">
               <a:rPr lang="en-US" smtClean="0"/>
-              <a:t>4/21/20</a:t>
+              <a:t>4/19/22</a:t>
             </a:fld>
             <a:endParaRPr lang="en-US"/>
           </a:p>
@@ -1258,7 +1258,7 @@
           <a:p>
             <a:fld id="{8BD5799D-8AC1-7647-9F4D-35F314575207}" type="datetimeFigureOut">
               <a:rPr lang="en-US" smtClean="0"/>
-              <a:t>4/21/20</a:t>
+              <a:t>4/19/22</a:t>
             </a:fld>
             <a:endParaRPr lang="en-US"/>
           </a:p>
@@ -1503,7 +1503,7 @@
           <a:p>
             <a:fld id="{8BD5799D-8AC1-7647-9F4D-35F314575207}" type="datetimeFigureOut">
               <a:rPr lang="en-US" smtClean="0"/>
-              <a:t>4/21/20</a:t>
+              <a:t>4/19/22</a:t>
             </a:fld>
             <a:endParaRPr lang="en-US"/>
           </a:p>
@@ -1788,7 +1788,7 @@
           <a:p>
             <a:fld id="{8BD5799D-8AC1-7647-9F4D-35F314575207}" type="datetimeFigureOut">
               <a:rPr lang="en-US" smtClean="0"/>
-              <a:t>4/21/20</a:t>
+              <a:t>4/19/22</a:t>
             </a:fld>
             <a:endParaRPr lang="en-US"/>
           </a:p>
@@ -2207,7 +2207,7 @@
           <a:p>
             <a:fld id="{8BD5799D-8AC1-7647-9F4D-35F314575207}" type="datetimeFigureOut">
               <a:rPr lang="en-US" smtClean="0"/>
-              <a:t>4/21/20</a:t>
+              <a:t>4/19/22</a:t>
             </a:fld>
             <a:endParaRPr lang="en-US"/>
           </a:p>
@@ -2324,7 +2324,7 @@
           <a:p>
             <a:fld id="{8BD5799D-8AC1-7647-9F4D-35F314575207}" type="datetimeFigureOut">
               <a:rPr lang="en-US" smtClean="0"/>
-              <a:t>4/21/20</a:t>
+              <a:t>4/19/22</a:t>
             </a:fld>
             <a:endParaRPr lang="en-US"/>
           </a:p>
@@ -2419,7 +2419,7 @@
           <a:p>
             <a:fld id="{8BD5799D-8AC1-7647-9F4D-35F314575207}" type="datetimeFigureOut">
               <a:rPr lang="en-US" smtClean="0"/>
-              <a:t>4/21/20</a:t>
+              <a:t>4/19/22</a:t>
             </a:fld>
             <a:endParaRPr lang="en-US"/>
           </a:p>
@@ -2694,7 +2694,7 @@
           <a:p>
             <a:fld id="{8BD5799D-8AC1-7647-9F4D-35F314575207}" type="datetimeFigureOut">
               <a:rPr lang="en-US" smtClean="0"/>
-              <a:t>4/21/20</a:t>
+              <a:t>4/19/22</a:t>
             </a:fld>
             <a:endParaRPr lang="en-US"/>
           </a:p>
@@ -2946,7 +2946,7 @@
           <a:p>
             <a:fld id="{8BD5799D-8AC1-7647-9F4D-35F314575207}" type="datetimeFigureOut">
               <a:rPr lang="en-US" smtClean="0"/>
-              <a:t>4/21/20</a:t>
+              <a:t>4/19/22</a:t>
             </a:fld>
             <a:endParaRPr lang="en-US"/>
           </a:p>
@@ -3157,7 +3157,7 @@
           <a:p>
             <a:fld id="{8BD5799D-8AC1-7647-9F4D-35F314575207}" type="datetimeFigureOut">
               <a:rPr lang="en-US" smtClean="0"/>
-              <a:t>4/21/20</a:t>
+              <a:t>4/19/22</a:t>
             </a:fld>
             <a:endParaRPr lang="en-US"/>
           </a:p>
@@ -3899,7 +3899,7 @@
                 </a:solidFill>
                 <a:latin typeface="Trebuchet MS" pitchFamily="34" charset="0"/>
               </a:rPr>
-              <a:t>Departmento de Ciencia de la Computación</a:t>
+              <a:t>Departamento de Ciencia de la Computación</a:t>
             </a:r>
           </a:p>
           <a:p>

--- a/clases/Cap03_Seleccion_de_Caracteristicas/presentations/PAT03_Clean.pptx
+++ b/clases/Cap03_Seleccion_de_Caracteristicas/presentations/PAT03_Clean.pptx
@@ -210,7 +210,7 @@
           <a:p>
             <a:fld id="{A31E74E5-43EB-8941-84E7-E76CE2DEF1CC}" type="datetimeFigureOut">
               <a:rPr lang="en-US" smtClean="0"/>
-              <a:t>4/19/22</a:t>
+              <a:t>4/23/24</a:t>
             </a:fld>
             <a:endParaRPr lang="en-US"/>
           </a:p>
@@ -744,7 +744,7 @@
           <a:p>
             <a:fld id="{8BD5799D-8AC1-7647-9F4D-35F314575207}" type="datetimeFigureOut">
               <a:rPr lang="en-US" smtClean="0"/>
-              <a:t>4/19/22</a:t>
+              <a:t>4/23/24</a:t>
             </a:fld>
             <a:endParaRPr lang="en-US"/>
           </a:p>
@@ -912,7 +912,7 @@
           <a:p>
             <a:fld id="{8BD5799D-8AC1-7647-9F4D-35F314575207}" type="datetimeFigureOut">
               <a:rPr lang="en-US" smtClean="0"/>
-              <a:t>4/19/22</a:t>
+              <a:t>4/23/24</a:t>
             </a:fld>
             <a:endParaRPr lang="en-US"/>
           </a:p>
@@ -1090,7 +1090,7 @@
           <a:p>
             <a:fld id="{8BD5799D-8AC1-7647-9F4D-35F314575207}" type="datetimeFigureOut">
               <a:rPr lang="en-US" smtClean="0"/>
-              <a:t>4/19/22</a:t>
+              <a:t>4/23/24</a:t>
             </a:fld>
             <a:endParaRPr lang="en-US"/>
           </a:p>
@@ -1258,7 +1258,7 @@
           <a:p>
             <a:fld id="{8BD5799D-8AC1-7647-9F4D-35F314575207}" type="datetimeFigureOut">
               <a:rPr lang="en-US" smtClean="0"/>
-              <a:t>4/19/22</a:t>
+              <a:t>4/23/24</a:t>
             </a:fld>
             <a:endParaRPr lang="en-US"/>
           </a:p>
@@ -1503,7 +1503,7 @@
           <a:p>
             <a:fld id="{8BD5799D-8AC1-7647-9F4D-35F314575207}" type="datetimeFigureOut">
               <a:rPr lang="en-US" smtClean="0"/>
-              <a:t>4/19/22</a:t>
+              <a:t>4/23/24</a:t>
             </a:fld>
             <a:endParaRPr lang="en-US"/>
           </a:p>
@@ -1788,7 +1788,7 @@
           <a:p>
             <a:fld id="{8BD5799D-8AC1-7647-9F4D-35F314575207}" type="datetimeFigureOut">
               <a:rPr lang="en-US" smtClean="0"/>
-              <a:t>4/19/22</a:t>
+              <a:t>4/23/24</a:t>
             </a:fld>
             <a:endParaRPr lang="en-US"/>
           </a:p>
@@ -2207,7 +2207,7 @@
           <a:p>
             <a:fld id="{8BD5799D-8AC1-7647-9F4D-35F314575207}" type="datetimeFigureOut">
               <a:rPr lang="en-US" smtClean="0"/>
-              <a:t>4/19/22</a:t>
+              <a:t>4/23/24</a:t>
             </a:fld>
             <a:endParaRPr lang="en-US"/>
           </a:p>
@@ -2324,7 +2324,7 @@
           <a:p>
             <a:fld id="{8BD5799D-8AC1-7647-9F4D-35F314575207}" type="datetimeFigureOut">
               <a:rPr lang="en-US" smtClean="0"/>
-              <a:t>4/19/22</a:t>
+              <a:t>4/23/24</a:t>
             </a:fld>
             <a:endParaRPr lang="en-US"/>
           </a:p>
@@ -2419,7 +2419,7 @@
           <a:p>
             <a:fld id="{8BD5799D-8AC1-7647-9F4D-35F314575207}" type="datetimeFigureOut">
               <a:rPr lang="en-US" smtClean="0"/>
-              <a:t>4/19/22</a:t>
+              <a:t>4/23/24</a:t>
             </a:fld>
             <a:endParaRPr lang="en-US"/>
           </a:p>
@@ -2694,7 +2694,7 @@
           <a:p>
             <a:fld id="{8BD5799D-8AC1-7647-9F4D-35F314575207}" type="datetimeFigureOut">
               <a:rPr lang="en-US" smtClean="0"/>
-              <a:t>4/19/22</a:t>
+              <a:t>4/23/24</a:t>
             </a:fld>
             <a:endParaRPr lang="en-US"/>
           </a:p>
@@ -2946,7 +2946,7 @@
           <a:p>
             <a:fld id="{8BD5799D-8AC1-7647-9F4D-35F314575207}" type="datetimeFigureOut">
               <a:rPr lang="en-US" smtClean="0"/>
-              <a:t>4/19/22</a:t>
+              <a:t>4/23/24</a:t>
             </a:fld>
             <a:endParaRPr lang="en-US"/>
           </a:p>
@@ -3157,7 +3157,7 @@
           <a:p>
             <a:fld id="{8BD5799D-8AC1-7647-9F4D-35F314575207}" type="datetimeFigureOut">
               <a:rPr lang="en-US" smtClean="0"/>
-              <a:t>4/19/22</a:t>
+              <a:t>4/23/24</a:t>
             </a:fld>
             <a:endParaRPr lang="en-US"/>
           </a:p>
@@ -10231,7 +10231,7 @@
         <p:spPr>
           <a:xfrm>
             <a:off x="669850" y="1871331"/>
-            <a:ext cx="7958782" cy="2369880"/>
+            <a:ext cx="8251233" cy="2369880"/>
           </a:xfrm>
           <a:prstGeom prst="rect">
             <a:avLst/>
@@ -10255,7 +10255,7 @@
           <a:p>
             <a:r>
               <a:rPr lang="en-US" dirty="0"/>
-              <a:t>(this step must be done before any feature selection algorithm)</a:t>
+              <a:t>(this step must be done before any feature selection algorithm and any normalization)</a:t>
             </a:r>
           </a:p>
           <a:p>
